--- a/docs/Schema.pptx
+++ b/docs/Schema.pptx
@@ -104,6 +104,11 @@
       </a:defRPr>
     </a:lvl9pPr>
   </p:defaultTextStyle>
+  <p:extLst>
+    <p:ext uri="{EFAFB233-063F-42B5-8137-9DF3F51BA10A}">
+      <p15:sldGuideLst xmlns:p15="http://schemas.microsoft.com/office/powerpoint/2012/main"/>
+    </p:ext>
+  </p:extLst>
 </p:presentation>
 </file>
 
@@ -238,7 +243,7 @@
           <a:p>
             <a:fld id="{8004C674-3D19-42CD-89CB-00EC700E7D46}" type="datetimeFigureOut">
               <a:rPr lang="fr-FR" smtClean="0"/>
-              <a:t>20/05/2016</a:t>
+              <a:t>21/05/2016</a:t>
             </a:fld>
             <a:endParaRPr lang="fr-FR"/>
           </a:p>
@@ -408,7 +413,7 @@
           <a:p>
             <a:fld id="{8004C674-3D19-42CD-89CB-00EC700E7D46}" type="datetimeFigureOut">
               <a:rPr lang="fr-FR" smtClean="0"/>
-              <a:t>20/05/2016</a:t>
+              <a:t>21/05/2016</a:t>
             </a:fld>
             <a:endParaRPr lang="fr-FR"/>
           </a:p>
@@ -588,7 +593,7 @@
           <a:p>
             <a:fld id="{8004C674-3D19-42CD-89CB-00EC700E7D46}" type="datetimeFigureOut">
               <a:rPr lang="fr-FR" smtClean="0"/>
-              <a:t>20/05/2016</a:t>
+              <a:t>21/05/2016</a:t>
             </a:fld>
             <a:endParaRPr lang="fr-FR"/>
           </a:p>
@@ -758,7 +763,7 @@
           <a:p>
             <a:fld id="{8004C674-3D19-42CD-89CB-00EC700E7D46}" type="datetimeFigureOut">
               <a:rPr lang="fr-FR" smtClean="0"/>
-              <a:t>20/05/2016</a:t>
+              <a:t>21/05/2016</a:t>
             </a:fld>
             <a:endParaRPr lang="fr-FR"/>
           </a:p>
@@ -1004,7 +1009,7 @@
           <a:p>
             <a:fld id="{8004C674-3D19-42CD-89CB-00EC700E7D46}" type="datetimeFigureOut">
               <a:rPr lang="fr-FR" smtClean="0"/>
-              <a:t>20/05/2016</a:t>
+              <a:t>21/05/2016</a:t>
             </a:fld>
             <a:endParaRPr lang="fr-FR"/>
           </a:p>
@@ -1236,7 +1241,7 @@
           <a:p>
             <a:fld id="{8004C674-3D19-42CD-89CB-00EC700E7D46}" type="datetimeFigureOut">
               <a:rPr lang="fr-FR" smtClean="0"/>
-              <a:t>20/05/2016</a:t>
+              <a:t>21/05/2016</a:t>
             </a:fld>
             <a:endParaRPr lang="fr-FR"/>
           </a:p>
@@ -1603,7 +1608,7 @@
           <a:p>
             <a:fld id="{8004C674-3D19-42CD-89CB-00EC700E7D46}" type="datetimeFigureOut">
               <a:rPr lang="fr-FR" smtClean="0"/>
-              <a:t>20/05/2016</a:t>
+              <a:t>21/05/2016</a:t>
             </a:fld>
             <a:endParaRPr lang="fr-FR"/>
           </a:p>
@@ -1721,7 +1726,7 @@
           <a:p>
             <a:fld id="{8004C674-3D19-42CD-89CB-00EC700E7D46}" type="datetimeFigureOut">
               <a:rPr lang="fr-FR" smtClean="0"/>
-              <a:t>20/05/2016</a:t>
+              <a:t>21/05/2016</a:t>
             </a:fld>
             <a:endParaRPr lang="fr-FR"/>
           </a:p>
@@ -1816,7 +1821,7 @@
           <a:p>
             <a:fld id="{8004C674-3D19-42CD-89CB-00EC700E7D46}" type="datetimeFigureOut">
               <a:rPr lang="fr-FR" smtClean="0"/>
-              <a:t>20/05/2016</a:t>
+              <a:t>21/05/2016</a:t>
             </a:fld>
             <a:endParaRPr lang="fr-FR"/>
           </a:p>
@@ -2093,7 +2098,7 @@
           <a:p>
             <a:fld id="{8004C674-3D19-42CD-89CB-00EC700E7D46}" type="datetimeFigureOut">
               <a:rPr lang="fr-FR" smtClean="0"/>
-              <a:t>20/05/2016</a:t>
+              <a:t>21/05/2016</a:t>
             </a:fld>
             <a:endParaRPr lang="fr-FR"/>
           </a:p>
@@ -2346,7 +2351,7 @@
           <a:p>
             <a:fld id="{8004C674-3D19-42CD-89CB-00EC700E7D46}" type="datetimeFigureOut">
               <a:rPr lang="fr-FR" smtClean="0"/>
-              <a:t>20/05/2016</a:t>
+              <a:t>21/05/2016</a:t>
             </a:fld>
             <a:endParaRPr lang="fr-FR"/>
           </a:p>
@@ -2559,7 +2564,7 @@
           <a:p>
             <a:fld id="{8004C674-3D19-42CD-89CB-00EC700E7D46}" type="datetimeFigureOut">
               <a:rPr lang="fr-FR" smtClean="0"/>
-              <a:t>20/05/2016</a:t>
+              <a:t>21/05/2016</a:t>
             </a:fld>
             <a:endParaRPr lang="fr-FR"/>
           </a:p>
@@ -3909,8 +3914,16 @@
           <a:p>
             <a:pPr algn="ctr"/>
             <a:r>
+              <a:rPr lang="fr-FR" dirty="0" err="1" smtClean="0"/>
+              <a:t>Subscription</a:t>
+            </a:r>
+            <a:r>
               <a:rPr lang="fr-FR" dirty="0" smtClean="0"/>
-              <a:t>Suscription Manager</a:t>
+              <a:t> </a:t>
+            </a:r>
+            <a:r>
+              <a:rPr lang="fr-FR" dirty="0" smtClean="0"/>
+              <a:t>Manager</a:t>
             </a:r>
             <a:endParaRPr lang="fr-FR" dirty="0"/>
           </a:p>
@@ -4074,14 +4087,14 @@
           <a:p>
             <a:pPr algn="ctr"/>
             <a:r>
-              <a:rPr lang="fr-FR" dirty="0" smtClean="0">
+              <a:rPr lang="fr-FR" dirty="0" err="1" smtClean="0">
                 <a:solidFill>
                   <a:schemeClr val="bg1">
                     <a:lumMod val="50000"/>
                   </a:schemeClr>
                 </a:solidFill>
               </a:rPr>
-              <a:t>Suscription</a:t>
+              <a:t>Subscription</a:t>
             </a:r>
             <a:endParaRPr lang="fr-FR" dirty="0">
               <a:solidFill>

--- a/docs/Schema.pptx
+++ b/docs/Schema.pptx
@@ -243,7 +243,7 @@
           <a:p>
             <a:fld id="{8004C674-3D19-42CD-89CB-00EC700E7D46}" type="datetimeFigureOut">
               <a:rPr lang="fr-FR" smtClean="0"/>
-              <a:t>21/05/2016</a:t>
+              <a:t>23/05/2016</a:t>
             </a:fld>
             <a:endParaRPr lang="fr-FR"/>
           </a:p>
@@ -413,7 +413,7 @@
           <a:p>
             <a:fld id="{8004C674-3D19-42CD-89CB-00EC700E7D46}" type="datetimeFigureOut">
               <a:rPr lang="fr-FR" smtClean="0"/>
-              <a:t>21/05/2016</a:t>
+              <a:t>23/05/2016</a:t>
             </a:fld>
             <a:endParaRPr lang="fr-FR"/>
           </a:p>
@@ -593,7 +593,7 @@
           <a:p>
             <a:fld id="{8004C674-3D19-42CD-89CB-00EC700E7D46}" type="datetimeFigureOut">
               <a:rPr lang="fr-FR" smtClean="0"/>
-              <a:t>21/05/2016</a:t>
+              <a:t>23/05/2016</a:t>
             </a:fld>
             <a:endParaRPr lang="fr-FR"/>
           </a:p>
@@ -763,7 +763,7 @@
           <a:p>
             <a:fld id="{8004C674-3D19-42CD-89CB-00EC700E7D46}" type="datetimeFigureOut">
               <a:rPr lang="fr-FR" smtClean="0"/>
-              <a:t>21/05/2016</a:t>
+              <a:t>23/05/2016</a:t>
             </a:fld>
             <a:endParaRPr lang="fr-FR"/>
           </a:p>
@@ -1009,7 +1009,7 @@
           <a:p>
             <a:fld id="{8004C674-3D19-42CD-89CB-00EC700E7D46}" type="datetimeFigureOut">
               <a:rPr lang="fr-FR" smtClean="0"/>
-              <a:t>21/05/2016</a:t>
+              <a:t>23/05/2016</a:t>
             </a:fld>
             <a:endParaRPr lang="fr-FR"/>
           </a:p>
@@ -1241,7 +1241,7 @@
           <a:p>
             <a:fld id="{8004C674-3D19-42CD-89CB-00EC700E7D46}" type="datetimeFigureOut">
               <a:rPr lang="fr-FR" smtClean="0"/>
-              <a:t>21/05/2016</a:t>
+              <a:t>23/05/2016</a:t>
             </a:fld>
             <a:endParaRPr lang="fr-FR"/>
           </a:p>
@@ -1608,7 +1608,7 @@
           <a:p>
             <a:fld id="{8004C674-3D19-42CD-89CB-00EC700E7D46}" type="datetimeFigureOut">
               <a:rPr lang="fr-FR" smtClean="0"/>
-              <a:t>21/05/2016</a:t>
+              <a:t>23/05/2016</a:t>
             </a:fld>
             <a:endParaRPr lang="fr-FR"/>
           </a:p>
@@ -1726,7 +1726,7 @@
           <a:p>
             <a:fld id="{8004C674-3D19-42CD-89CB-00EC700E7D46}" type="datetimeFigureOut">
               <a:rPr lang="fr-FR" smtClean="0"/>
-              <a:t>21/05/2016</a:t>
+              <a:t>23/05/2016</a:t>
             </a:fld>
             <a:endParaRPr lang="fr-FR"/>
           </a:p>
@@ -1821,7 +1821,7 @@
           <a:p>
             <a:fld id="{8004C674-3D19-42CD-89CB-00EC700E7D46}" type="datetimeFigureOut">
               <a:rPr lang="fr-FR" smtClean="0"/>
-              <a:t>21/05/2016</a:t>
+              <a:t>23/05/2016</a:t>
             </a:fld>
             <a:endParaRPr lang="fr-FR"/>
           </a:p>
@@ -2098,7 +2098,7 @@
           <a:p>
             <a:fld id="{8004C674-3D19-42CD-89CB-00EC700E7D46}" type="datetimeFigureOut">
               <a:rPr lang="fr-FR" smtClean="0"/>
-              <a:t>21/05/2016</a:t>
+              <a:t>23/05/2016</a:t>
             </a:fld>
             <a:endParaRPr lang="fr-FR"/>
           </a:p>
@@ -2351,7 +2351,7 @@
           <a:p>
             <a:fld id="{8004C674-3D19-42CD-89CB-00EC700E7D46}" type="datetimeFigureOut">
               <a:rPr lang="fr-FR" smtClean="0"/>
-              <a:t>21/05/2016</a:t>
+              <a:t>23/05/2016</a:t>
             </a:fld>
             <a:endParaRPr lang="fr-FR"/>
           </a:p>
@@ -2564,7 +2564,7 @@
           <a:p>
             <a:fld id="{8004C674-3D19-42CD-89CB-00EC700E7D46}" type="datetimeFigureOut">
               <a:rPr lang="fr-FR" smtClean="0"/>
-              <a:t>21/05/2016</a:t>
+              <a:t>23/05/2016</a:t>
             </a:fld>
             <a:endParaRPr lang="fr-FR"/>
           </a:p>
@@ -3919,11 +3919,7 @@
             </a:r>
             <a:r>
               <a:rPr lang="fr-FR" dirty="0" smtClean="0"/>
-              <a:t> </a:t>
-            </a:r>
-            <a:r>
-              <a:rPr lang="fr-FR" dirty="0" smtClean="0"/>
-              <a:t>Manager</a:t>
+              <a:t> Manager</a:t>
             </a:r>
             <a:endParaRPr lang="fr-FR" dirty="0"/>
           </a:p>
@@ -4402,7 +4398,7 @@
             <a:pPr algn="ctr"/>
             <a:r>
               <a:rPr lang="fr-FR" dirty="0" smtClean="0"/>
-              <a:t>Queue</a:t>
+              <a:t>Topic</a:t>
             </a:r>
             <a:endParaRPr lang="fr-FR" dirty="0"/>
           </a:p>
